--- a/Java Урок 5 for while.pptx
+++ b/Java Урок 5 for while.pptx
@@ -124,6 +124,11 @@
       </a:defRPr>
     </a:lvl9pPr>
   </p:defaultTextStyle>
+  <p:extLst>
+    <p:ext uri="{EFAFB233-063F-42B5-8137-9DF3F51BA10A}">
+      <p15:sldGuideLst xmlns:p15="http://schemas.microsoft.com/office/powerpoint/2012/main"/>
+    </p:ext>
+  </p:extLst>
 </p:presentation>
 </file>
 
@@ -209,7 +214,7 @@
           <a:p>
             <a:fld id="{761E8D64-5E70-493E-AAE1-DD02162AEC26}" type="datetimeFigureOut">
               <a:rPr lang="uk-UA" smtClean="0"/>
-              <a:t>27.10.2023</a:t>
+              <a:t>01.11.2023</a:t>
             </a:fld>
             <a:endParaRPr lang="uk-UA"/>
           </a:p>
@@ -1516,7 +1521,7 @@
           <a:p>
             <a:fld id="{A5D437EF-AD68-4469-990C-D3DEFFCD4AB5}" type="datetimeFigureOut">
               <a:rPr lang="uk-UA" smtClean="0"/>
-              <a:t>27.10.2023</a:t>
+              <a:t>01.11.2023</a:t>
             </a:fld>
             <a:endParaRPr lang="uk-UA"/>
           </a:p>
@@ -1716,7 +1721,7 @@
           <a:p>
             <a:fld id="{A5D437EF-AD68-4469-990C-D3DEFFCD4AB5}" type="datetimeFigureOut">
               <a:rPr lang="uk-UA" smtClean="0"/>
-              <a:t>27.10.2023</a:t>
+              <a:t>01.11.2023</a:t>
             </a:fld>
             <a:endParaRPr lang="uk-UA"/>
           </a:p>
@@ -1926,7 +1931,7 @@
           <a:p>
             <a:fld id="{A5D437EF-AD68-4469-990C-D3DEFFCD4AB5}" type="datetimeFigureOut">
               <a:rPr lang="uk-UA" smtClean="0"/>
-              <a:t>27.10.2023</a:t>
+              <a:t>01.11.2023</a:t>
             </a:fld>
             <a:endParaRPr lang="uk-UA"/>
           </a:p>
@@ -2126,7 +2131,7 @@
           <a:p>
             <a:fld id="{A5D437EF-AD68-4469-990C-D3DEFFCD4AB5}" type="datetimeFigureOut">
               <a:rPr lang="uk-UA" smtClean="0"/>
-              <a:t>27.10.2023</a:t>
+              <a:t>01.11.2023</a:t>
             </a:fld>
             <a:endParaRPr lang="uk-UA"/>
           </a:p>
@@ -2402,7 +2407,7 @@
           <a:p>
             <a:fld id="{A5D437EF-AD68-4469-990C-D3DEFFCD4AB5}" type="datetimeFigureOut">
               <a:rPr lang="uk-UA" smtClean="0"/>
-              <a:t>27.10.2023</a:t>
+              <a:t>01.11.2023</a:t>
             </a:fld>
             <a:endParaRPr lang="uk-UA"/>
           </a:p>
@@ -2670,7 +2675,7 @@
           <a:p>
             <a:fld id="{A5D437EF-AD68-4469-990C-D3DEFFCD4AB5}" type="datetimeFigureOut">
               <a:rPr lang="uk-UA" smtClean="0"/>
-              <a:t>27.10.2023</a:t>
+              <a:t>01.11.2023</a:t>
             </a:fld>
             <a:endParaRPr lang="uk-UA"/>
           </a:p>
@@ -3085,7 +3090,7 @@
           <a:p>
             <a:fld id="{A5D437EF-AD68-4469-990C-D3DEFFCD4AB5}" type="datetimeFigureOut">
               <a:rPr lang="uk-UA" smtClean="0"/>
-              <a:t>27.10.2023</a:t>
+              <a:t>01.11.2023</a:t>
             </a:fld>
             <a:endParaRPr lang="uk-UA"/>
           </a:p>
@@ -3227,7 +3232,7 @@
           <a:p>
             <a:fld id="{A5D437EF-AD68-4469-990C-D3DEFFCD4AB5}" type="datetimeFigureOut">
               <a:rPr lang="uk-UA" smtClean="0"/>
-              <a:t>27.10.2023</a:t>
+              <a:t>01.11.2023</a:t>
             </a:fld>
             <a:endParaRPr lang="uk-UA"/>
           </a:p>
@@ -3340,7 +3345,7 @@
           <a:p>
             <a:fld id="{A5D437EF-AD68-4469-990C-D3DEFFCD4AB5}" type="datetimeFigureOut">
               <a:rPr lang="uk-UA" smtClean="0"/>
-              <a:t>27.10.2023</a:t>
+              <a:t>01.11.2023</a:t>
             </a:fld>
             <a:endParaRPr lang="uk-UA"/>
           </a:p>
@@ -3653,7 +3658,7 @@
           <a:p>
             <a:fld id="{A5D437EF-AD68-4469-990C-D3DEFFCD4AB5}" type="datetimeFigureOut">
               <a:rPr lang="uk-UA" smtClean="0"/>
-              <a:t>27.10.2023</a:t>
+              <a:t>01.11.2023</a:t>
             </a:fld>
             <a:endParaRPr lang="uk-UA"/>
           </a:p>
@@ -3942,7 +3947,7 @@
           <a:p>
             <a:fld id="{A5D437EF-AD68-4469-990C-D3DEFFCD4AB5}" type="datetimeFigureOut">
               <a:rPr lang="uk-UA" smtClean="0"/>
-              <a:t>27.10.2023</a:t>
+              <a:t>01.11.2023</a:t>
             </a:fld>
             <a:endParaRPr lang="uk-UA"/>
           </a:p>
@@ -4185,7 +4190,7 @@
           <a:p>
             <a:fld id="{A5D437EF-AD68-4469-990C-D3DEFFCD4AB5}" type="datetimeFigureOut">
               <a:rPr lang="uk-UA" smtClean="0"/>
-              <a:t>27.10.2023</a:t>
+              <a:t>01.11.2023</a:t>
             </a:fld>
             <a:endParaRPr lang="uk-UA"/>
           </a:p>
@@ -12613,8 +12618,8 @@
         </p:nvSpPr>
         <p:spPr>
           <a:xfrm>
-            <a:off x="1777541" y="2243579"/>
-            <a:ext cx="8636917" cy="3108543"/>
+            <a:off x="348792" y="2253005"/>
+            <a:ext cx="11679810" cy="2677656"/>
           </a:xfrm>
           <a:prstGeom prst="rect">
             <a:avLst/>
@@ -12806,7 +12811,7 @@
                 <a:effectLst/>
                 <a:latin typeface="Menlo"/>
               </a:rPr>
-              <a:t>числоЯблуків</a:t>
+              <a:t>кільк</a:t>
             </a:r>
             <a:r>
               <a:rPr lang="uk-UA" sz="2800" dirty="0" err="1">
@@ -12815,7 +12820,16 @@
                 </a:solidFill>
                 <a:latin typeface="Menlo"/>
               </a:rPr>
-              <a:t>УКошику</a:t>
+              <a:t>істьЯблукУКошику</a:t>
+            </a:r>
+            <a:r>
+              <a:rPr lang="uk-UA" sz="2800" dirty="0">
+                <a:solidFill>
+                  <a:srgbClr val="000000"/>
+                </a:solidFill>
+                <a:latin typeface="Menlo"/>
+              </a:rPr>
+              <a:t> -</a:t>
             </a:r>
             <a:r>
               <a:rPr lang="uk-UA" sz="2800" b="0" i="0" dirty="0">
@@ -12825,7 +12839,7 @@
                 <a:effectLst/>
                 <a:latin typeface="Menlo"/>
               </a:rPr>
-              <a:t>--;</a:t>
+              <a:t>-;</a:t>
             </a:r>
             <a:r>
               <a:rPr lang="uk-UA" sz="2800" b="0" i="0" dirty="0">

--- a/Java Урок 5 for while.pptx
+++ b/Java Урок 5 for while.pptx
@@ -214,7 +214,7 @@
           <a:p>
             <a:fld id="{761E8D64-5E70-493E-AAE1-DD02162AEC26}" type="datetimeFigureOut">
               <a:rPr lang="uk-UA" smtClean="0"/>
-              <a:t>19.12.2023</a:t>
+              <a:t>19.01.2024</a:t>
             </a:fld>
             <a:endParaRPr lang="uk-UA"/>
           </a:p>
@@ -1521,7 +1521,7 @@
           <a:p>
             <a:fld id="{A5D437EF-AD68-4469-990C-D3DEFFCD4AB5}" type="datetimeFigureOut">
               <a:rPr lang="uk-UA" smtClean="0"/>
-              <a:t>19.12.2023</a:t>
+              <a:t>19.01.2024</a:t>
             </a:fld>
             <a:endParaRPr lang="uk-UA"/>
           </a:p>
@@ -1721,7 +1721,7 @@
           <a:p>
             <a:fld id="{A5D437EF-AD68-4469-990C-D3DEFFCD4AB5}" type="datetimeFigureOut">
               <a:rPr lang="uk-UA" smtClean="0"/>
-              <a:t>19.12.2023</a:t>
+              <a:t>19.01.2024</a:t>
             </a:fld>
             <a:endParaRPr lang="uk-UA"/>
           </a:p>
@@ -1931,7 +1931,7 @@
           <a:p>
             <a:fld id="{A5D437EF-AD68-4469-990C-D3DEFFCD4AB5}" type="datetimeFigureOut">
               <a:rPr lang="uk-UA" smtClean="0"/>
-              <a:t>19.12.2023</a:t>
+              <a:t>19.01.2024</a:t>
             </a:fld>
             <a:endParaRPr lang="uk-UA"/>
           </a:p>
@@ -2131,7 +2131,7 @@
           <a:p>
             <a:fld id="{A5D437EF-AD68-4469-990C-D3DEFFCD4AB5}" type="datetimeFigureOut">
               <a:rPr lang="uk-UA" smtClean="0"/>
-              <a:t>19.12.2023</a:t>
+              <a:t>19.01.2024</a:t>
             </a:fld>
             <a:endParaRPr lang="uk-UA"/>
           </a:p>
@@ -2407,7 +2407,7 @@
           <a:p>
             <a:fld id="{A5D437EF-AD68-4469-990C-D3DEFFCD4AB5}" type="datetimeFigureOut">
               <a:rPr lang="uk-UA" smtClean="0"/>
-              <a:t>19.12.2023</a:t>
+              <a:t>19.01.2024</a:t>
             </a:fld>
             <a:endParaRPr lang="uk-UA"/>
           </a:p>
@@ -2675,7 +2675,7 @@
           <a:p>
             <a:fld id="{A5D437EF-AD68-4469-990C-D3DEFFCD4AB5}" type="datetimeFigureOut">
               <a:rPr lang="uk-UA" smtClean="0"/>
-              <a:t>19.12.2023</a:t>
+              <a:t>19.01.2024</a:t>
             </a:fld>
             <a:endParaRPr lang="uk-UA"/>
           </a:p>
@@ -3090,7 +3090,7 @@
           <a:p>
             <a:fld id="{A5D437EF-AD68-4469-990C-D3DEFFCD4AB5}" type="datetimeFigureOut">
               <a:rPr lang="uk-UA" smtClean="0"/>
-              <a:t>19.12.2023</a:t>
+              <a:t>19.01.2024</a:t>
             </a:fld>
             <a:endParaRPr lang="uk-UA"/>
           </a:p>
@@ -3232,7 +3232,7 @@
           <a:p>
             <a:fld id="{A5D437EF-AD68-4469-990C-D3DEFFCD4AB5}" type="datetimeFigureOut">
               <a:rPr lang="uk-UA" smtClean="0"/>
-              <a:t>19.12.2023</a:t>
+              <a:t>19.01.2024</a:t>
             </a:fld>
             <a:endParaRPr lang="uk-UA"/>
           </a:p>
@@ -3345,7 +3345,7 @@
           <a:p>
             <a:fld id="{A5D437EF-AD68-4469-990C-D3DEFFCD4AB5}" type="datetimeFigureOut">
               <a:rPr lang="uk-UA" smtClean="0"/>
-              <a:t>19.12.2023</a:t>
+              <a:t>19.01.2024</a:t>
             </a:fld>
             <a:endParaRPr lang="uk-UA"/>
           </a:p>
@@ -3658,7 +3658,7 @@
           <a:p>
             <a:fld id="{A5D437EF-AD68-4469-990C-D3DEFFCD4AB5}" type="datetimeFigureOut">
               <a:rPr lang="uk-UA" smtClean="0"/>
-              <a:t>19.12.2023</a:t>
+              <a:t>19.01.2024</a:t>
             </a:fld>
             <a:endParaRPr lang="uk-UA"/>
           </a:p>
@@ -3947,7 +3947,7 @@
           <a:p>
             <a:fld id="{A5D437EF-AD68-4469-990C-D3DEFFCD4AB5}" type="datetimeFigureOut">
               <a:rPr lang="uk-UA" smtClean="0"/>
-              <a:t>19.12.2023</a:t>
+              <a:t>19.01.2024</a:t>
             </a:fld>
             <a:endParaRPr lang="uk-UA"/>
           </a:p>
@@ -4190,7 +4190,7 @@
           <a:p>
             <a:fld id="{A5D437EF-AD68-4469-990C-D3DEFFCD4AB5}" type="datetimeFigureOut">
               <a:rPr lang="uk-UA" smtClean="0"/>
-              <a:t>19.12.2023</a:t>
+              <a:t>19.01.2024</a:t>
             </a:fld>
             <a:endParaRPr lang="uk-UA"/>
           </a:p>
